--- a/CohereT.pptx
+++ b/CohereT.pptx
@@ -5,7 +5,7 @@
     <p:sldMasterId id="2147483660" r:id="rId1"/>
   </p:sldMasterIdLst>
   <p:notesMasterIdLst>
-    <p:notesMasterId r:id="rId12"/>
+    <p:notesMasterId r:id="rId13"/>
   </p:notesMasterIdLst>
   <p:sldIdLst>
     <p:sldId id="256" r:id="rId2"/>
@@ -15,9 +15,10 @@
     <p:sldId id="260" r:id="rId6"/>
     <p:sldId id="261" r:id="rId7"/>
     <p:sldId id="262" r:id="rId8"/>
-    <p:sldId id="263" r:id="rId9"/>
-    <p:sldId id="264" r:id="rId10"/>
-    <p:sldId id="265" r:id="rId11"/>
+    <p:sldId id="266" r:id="rId9"/>
+    <p:sldId id="263" r:id="rId10"/>
+    <p:sldId id="264" r:id="rId11"/>
+    <p:sldId id="265" r:id="rId12"/>
   </p:sldIdLst>
   <p:sldSz cx="12192000" cy="6858000"/>
   <p:notesSz cx="6858000" cy="9144000"/>
@@ -206,7 +207,7 @@
           <a:p>
             <a:fld id="{949D2739-40DD-4457-8C5E-52F1B5679F55}" type="datetimeFigureOut">
               <a:rPr lang="en-IN" smtClean="0"/>
-              <a:t>15-02-2026</a:t>
+              <a:t>16-02-2026</a:t>
             </a:fld>
             <a:endParaRPr lang="en-IN"/>
           </a:p>
@@ -1036,7 +1037,7 @@
           <a:p>
             <a:fld id="{1D20590C-6254-4618-BFDC-695F7C8EF540}" type="slidenum">
               <a:rPr lang="en-IN" smtClean="0"/>
-              <a:t>8</a:t>
+              <a:t>9</a:t>
             </a:fld>
             <a:endParaRPr lang="en-IN"/>
           </a:p>
@@ -1194,7 +1195,7 @@
           <a:p>
             <a:fld id="{BDE473D9-BB01-482B-A61E-6F2B270B5CC9}" type="datetimeFigureOut">
               <a:rPr lang="en-IN" smtClean="0"/>
-              <a:t>15-02-2026</a:t>
+              <a:t>16-02-2026</a:t>
             </a:fld>
             <a:endParaRPr lang="en-IN"/>
           </a:p>
@@ -1405,7 +1406,7 @@
           <a:p>
             <a:fld id="{BDE473D9-BB01-482B-A61E-6F2B270B5CC9}" type="datetimeFigureOut">
               <a:rPr lang="en-IN" smtClean="0"/>
-              <a:t>15-02-2026</a:t>
+              <a:t>16-02-2026</a:t>
             </a:fld>
             <a:endParaRPr lang="en-IN"/>
           </a:p>
@@ -1620,7 +1621,7 @@
           <a:p>
             <a:fld id="{BDE473D9-BB01-482B-A61E-6F2B270B5CC9}" type="datetimeFigureOut">
               <a:rPr lang="en-IN" smtClean="0"/>
-              <a:t>15-02-2026</a:t>
+              <a:t>16-02-2026</a:t>
             </a:fld>
             <a:endParaRPr lang="en-IN"/>
           </a:p>
@@ -1821,7 +1822,7 @@
           <a:p>
             <a:fld id="{BDE473D9-BB01-482B-A61E-6F2B270B5CC9}" type="datetimeFigureOut">
               <a:rPr lang="en-IN" smtClean="0"/>
-              <a:t>15-02-2026</a:t>
+              <a:t>16-02-2026</a:t>
             </a:fld>
             <a:endParaRPr lang="en-IN"/>
           </a:p>
@@ -2100,7 +2101,7 @@
           <a:p>
             <a:fld id="{BDE473D9-BB01-482B-A61E-6F2B270B5CC9}" type="datetimeFigureOut">
               <a:rPr lang="en-IN" smtClean="0"/>
-              <a:t>15-02-2026</a:t>
+              <a:t>16-02-2026</a:t>
             </a:fld>
             <a:endParaRPr lang="en-IN"/>
           </a:p>
@@ -2368,7 +2369,7 @@
           <a:p>
             <a:fld id="{BDE473D9-BB01-482B-A61E-6F2B270B5CC9}" type="datetimeFigureOut">
               <a:rPr lang="en-IN" smtClean="0"/>
-              <a:t>15-02-2026</a:t>
+              <a:t>16-02-2026</a:t>
             </a:fld>
             <a:endParaRPr lang="en-IN"/>
           </a:p>
@@ -2784,7 +2785,7 @@
           <a:p>
             <a:fld id="{BDE473D9-BB01-482B-A61E-6F2B270B5CC9}" type="datetimeFigureOut">
               <a:rPr lang="en-IN" smtClean="0"/>
-              <a:t>15-02-2026</a:t>
+              <a:t>16-02-2026</a:t>
             </a:fld>
             <a:endParaRPr lang="en-IN"/>
           </a:p>
@@ -2933,7 +2934,7 @@
           <a:p>
             <a:fld id="{BDE473D9-BB01-482B-A61E-6F2B270B5CC9}" type="datetimeFigureOut">
               <a:rPr lang="en-IN" smtClean="0"/>
-              <a:t>15-02-2026</a:t>
+              <a:t>16-02-2026</a:t>
             </a:fld>
             <a:endParaRPr lang="en-IN"/>
           </a:p>
@@ -3059,7 +3060,7 @@
           <a:p>
             <a:fld id="{BDE473D9-BB01-482B-A61E-6F2B270B5CC9}" type="datetimeFigureOut">
               <a:rPr lang="en-IN" smtClean="0"/>
-              <a:t>15-02-2026</a:t>
+              <a:t>16-02-2026</a:t>
             </a:fld>
             <a:endParaRPr lang="en-IN"/>
           </a:p>
@@ -3310,7 +3311,7 @@
           <a:p>
             <a:fld id="{BDE473D9-BB01-482B-A61E-6F2B270B5CC9}" type="datetimeFigureOut">
               <a:rPr lang="en-IN" smtClean="0"/>
-              <a:t>15-02-2026</a:t>
+              <a:t>16-02-2026</a:t>
             </a:fld>
             <a:endParaRPr lang="en-IN"/>
           </a:p>
@@ -3755,7 +3756,7 @@
           <a:p>
             <a:fld id="{BDE473D9-BB01-482B-A61E-6F2B270B5CC9}" type="datetimeFigureOut">
               <a:rPr lang="en-IN" smtClean="0"/>
-              <a:t>15-02-2026</a:t>
+              <a:t>16-02-2026</a:t>
             </a:fld>
             <a:endParaRPr lang="en-IN"/>
           </a:p>
@@ -3922,6 +3923,13 @@
             <a:schemeClr val="lt1"/>
           </a:fontRef>
         </p:style>
+        <p:txBody>
+          <a:bodyPr/>
+          <a:lstStyle/>
+          <a:p>
+            <a:endParaRPr lang="en-IN"/>
+          </a:p>
+        </p:txBody>
       </p:sp>
       <p:pic>
         <p:nvPicPr>
@@ -4082,7 +4090,7 @@
           <a:p>
             <a:fld id="{BDE473D9-BB01-482B-A61E-6F2B270B5CC9}" type="datetimeFigureOut">
               <a:rPr lang="en-IN" smtClean="0"/>
-              <a:t>15-02-2026</a:t>
+              <a:t>16-02-2026</a:t>
             </a:fld>
             <a:endParaRPr lang="en-IN"/>
           </a:p>
@@ -4784,6 +4792,107 @@
           <p:cNvPr id="2" name="Title 1">
             <a:extLst>
               <a:ext uri="{FF2B5EF4-FFF2-40B4-BE49-F238E27FC236}">
+                <a16:creationId xmlns:a16="http://schemas.microsoft.com/office/drawing/2014/main" id="{96F0DE73-59B4-725B-04CC-7BD0EED2D6F2}"/>
+              </a:ext>
+            </a:extLst>
+          </p:cNvPr>
+          <p:cNvSpPr>
+            <a:spLocks noGrp="1"/>
+          </p:cNvSpPr>
+          <p:nvPr>
+            <p:ph type="title"/>
+          </p:nvPr>
+        </p:nvSpPr>
+        <p:spPr/>
+        <p:txBody>
+          <a:bodyPr/>
+          <a:lstStyle/>
+          <a:p>
+            <a:r>
+              <a:rPr lang="en-IN" dirty="0"/>
+              <a:t>DEMO</a:t>
+            </a:r>
+          </a:p>
+        </p:txBody>
+      </p:sp>
+      <p:sp>
+        <p:nvSpPr>
+          <p:cNvPr id="3" name="Content Placeholder 2">
+            <a:extLst>
+              <a:ext uri="{FF2B5EF4-FFF2-40B4-BE49-F238E27FC236}">
+                <a16:creationId xmlns:a16="http://schemas.microsoft.com/office/drawing/2014/main" id="{20D67883-6238-8A00-DA81-B00F6123E942}"/>
+              </a:ext>
+            </a:extLst>
+          </p:cNvPr>
+          <p:cNvSpPr>
+            <a:spLocks noGrp="1"/>
+          </p:cNvSpPr>
+          <p:nvPr>
+            <p:ph idx="1"/>
+          </p:nvPr>
+        </p:nvSpPr>
+        <p:spPr/>
+        <p:txBody>
+          <a:bodyPr/>
+          <a:lstStyle/>
+          <a:p>
+            <a:r>
+              <a:rPr lang="en-IN" dirty="0">
+                <a:hlinkClick r:id="rId2"/>
+              </a:rPr>
+              <a:t>https://techcohere-hbrv5z3trs9khdpuubpoya.streamlit.app/</a:t>
+            </a:r>
+            <a:endParaRPr lang="en-IN" dirty="0"/>
+          </a:p>
+          <a:p>
+            <a:r>
+              <a:rPr lang="en-IN" dirty="0">
+                <a:hlinkClick r:id="rId3"/>
+              </a:rPr>
+              <a:t>https://techcohere-2gve77exrd26qr3du4wiyb.streamlit.app/</a:t>
+            </a:r>
+            <a:endParaRPr lang="en-IN" dirty="0"/>
+          </a:p>
+          <a:p>
+            <a:endParaRPr lang="en-IN" dirty="0"/>
+          </a:p>
+        </p:txBody>
+      </p:sp>
+    </p:spTree>
+    <p:extLst>
+      <p:ext uri="{BB962C8B-B14F-4D97-AF65-F5344CB8AC3E}">
+        <p14:creationId xmlns:p14="http://schemas.microsoft.com/office/powerpoint/2010/main" val="102294049"/>
+      </p:ext>
+    </p:extLst>
+  </p:cSld>
+  <p:clrMapOvr>
+    <a:masterClrMapping/>
+  </p:clrMapOvr>
+</p:sld>
+</file>
+
+<file path=ppt/slides/slide11.xml><?xml version="1.0" encoding="utf-8"?>
+<p:sld xmlns:a="http://schemas.openxmlformats.org/drawingml/2006/main" xmlns:r="http://schemas.openxmlformats.org/officeDocument/2006/relationships" xmlns:p="http://schemas.openxmlformats.org/presentationml/2006/main">
+  <p:cSld>
+    <p:spTree>
+      <p:nvGrpSpPr>
+        <p:cNvPr id="1" name=""/>
+        <p:cNvGrpSpPr/>
+        <p:nvPr/>
+      </p:nvGrpSpPr>
+      <p:grpSpPr>
+        <a:xfrm>
+          <a:off x="0" y="0"/>
+          <a:ext cx="0" cy="0"/>
+          <a:chOff x="0" y="0"/>
+          <a:chExt cx="0" cy="0"/>
+        </a:xfrm>
+      </p:grpSpPr>
+      <p:sp>
+        <p:nvSpPr>
+          <p:cNvPr id="2" name="Title 1">
+            <a:extLst>
+              <a:ext uri="{FF2B5EF4-FFF2-40B4-BE49-F238E27FC236}">
                 <a16:creationId xmlns:a16="http://schemas.microsoft.com/office/drawing/2014/main" id="{8BF3DAEC-383E-C229-EA8A-74BA5C3196AC}"/>
               </a:ext>
             </a:extLst>
@@ -5906,6 +6015,102 @@
 <file path=ppt/slides/slide8.xml><?xml version="1.0" encoding="utf-8"?>
 <p:sld xmlns:a="http://schemas.openxmlformats.org/drawingml/2006/main" xmlns:r="http://schemas.openxmlformats.org/officeDocument/2006/relationships" xmlns:p="http://schemas.openxmlformats.org/presentationml/2006/main">
   <p:cSld>
+    <p:spTree>
+      <p:nvGrpSpPr>
+        <p:cNvPr id="1" name=""/>
+        <p:cNvGrpSpPr/>
+        <p:nvPr/>
+      </p:nvGrpSpPr>
+      <p:grpSpPr>
+        <a:xfrm>
+          <a:off x="0" y="0"/>
+          <a:ext cx="0" cy="0"/>
+          <a:chOff x="0" y="0"/>
+          <a:chExt cx="0" cy="0"/>
+        </a:xfrm>
+      </p:grpSpPr>
+      <p:sp>
+        <p:nvSpPr>
+          <p:cNvPr id="2" name="Title 1">
+            <a:extLst>
+              <a:ext uri="{FF2B5EF4-FFF2-40B4-BE49-F238E27FC236}">
+                <a16:creationId xmlns:a16="http://schemas.microsoft.com/office/drawing/2014/main" id="{0D0C3DA3-7E08-ED37-F6EF-64414FB055CE}"/>
+              </a:ext>
+            </a:extLst>
+          </p:cNvPr>
+          <p:cNvSpPr>
+            <a:spLocks noGrp="1"/>
+          </p:cNvSpPr>
+          <p:nvPr>
+            <p:ph type="title"/>
+          </p:nvPr>
+        </p:nvSpPr>
+        <p:spPr/>
+        <p:txBody>
+          <a:bodyPr/>
+          <a:lstStyle/>
+          <a:p>
+            <a:r>
+              <a:rPr lang="en-IN" dirty="0"/>
+              <a:t>GRAFANA DASHBOARD</a:t>
+            </a:r>
+          </a:p>
+        </p:txBody>
+      </p:sp>
+      <p:pic>
+        <p:nvPicPr>
+          <p:cNvPr id="5" name="Content Placeholder 4">
+            <a:extLst>
+              <a:ext uri="{FF2B5EF4-FFF2-40B4-BE49-F238E27FC236}">
+                <a16:creationId xmlns:a16="http://schemas.microsoft.com/office/drawing/2014/main" id="{5EA77FE8-65CF-4CA8-CA4C-F849B7A41B40}"/>
+              </a:ext>
+            </a:extLst>
+          </p:cNvPr>
+          <p:cNvPicPr>
+            <a:picLocks noGrp="1" noChangeAspect="1"/>
+          </p:cNvPicPr>
+          <p:nvPr>
+            <p:ph idx="1"/>
+          </p:nvPr>
+        </p:nvPicPr>
+        <p:blipFill>
+          <a:blip r:embed="rId2">
+            <a:extLst>
+              <a:ext uri="{28A0092B-C50C-407E-A947-70E740481C1C}">
+                <a14:useLocalDpi xmlns:a14="http://schemas.microsoft.com/office/drawing/2010/main" val="0"/>
+              </a:ext>
+            </a:extLst>
+          </a:blip>
+          <a:stretch>
+            <a:fillRect/>
+          </a:stretch>
+        </p:blipFill>
+        <p:spPr>
+          <a:xfrm>
+            <a:off x="2381408" y="2016125"/>
+            <a:ext cx="7743508" cy="3449638"/>
+          </a:xfrm>
+          <a:prstGeom prst="rect">
+            <a:avLst/>
+          </a:prstGeom>
+        </p:spPr>
+      </p:pic>
+    </p:spTree>
+    <p:extLst>
+      <p:ext uri="{BB962C8B-B14F-4D97-AF65-F5344CB8AC3E}">
+        <p14:creationId xmlns:p14="http://schemas.microsoft.com/office/powerpoint/2010/main" val="2883416947"/>
+      </p:ext>
+    </p:extLst>
+  </p:cSld>
+  <p:clrMapOvr>
+    <a:masterClrMapping/>
+  </p:clrMapOvr>
+</p:sld>
+</file>
+
+<file path=ppt/slides/slide9.xml><?xml version="1.0" encoding="utf-8"?>
+<p:sld xmlns:a="http://schemas.openxmlformats.org/drawingml/2006/main" xmlns:r="http://schemas.openxmlformats.org/officeDocument/2006/relationships" xmlns:p="http://schemas.openxmlformats.org/presentationml/2006/main">
+  <p:cSld>
     <p:bg>
       <p:bgPr>
         <a:gradFill rotWithShape="1">
@@ -6282,107 +6487,6 @@
     <p:extLst>
       <p:ext uri="{BB962C8B-B14F-4D97-AF65-F5344CB8AC3E}">
         <p14:creationId xmlns:p14="http://schemas.microsoft.com/office/powerpoint/2010/main" val="2067363332"/>
-      </p:ext>
-    </p:extLst>
-  </p:cSld>
-  <p:clrMapOvr>
-    <a:masterClrMapping/>
-  </p:clrMapOvr>
-</p:sld>
-</file>
-
-<file path=ppt/slides/slide9.xml><?xml version="1.0" encoding="utf-8"?>
-<p:sld xmlns:a="http://schemas.openxmlformats.org/drawingml/2006/main" xmlns:r="http://schemas.openxmlformats.org/officeDocument/2006/relationships" xmlns:p="http://schemas.openxmlformats.org/presentationml/2006/main">
-  <p:cSld>
-    <p:spTree>
-      <p:nvGrpSpPr>
-        <p:cNvPr id="1" name=""/>
-        <p:cNvGrpSpPr/>
-        <p:nvPr/>
-      </p:nvGrpSpPr>
-      <p:grpSpPr>
-        <a:xfrm>
-          <a:off x="0" y="0"/>
-          <a:ext cx="0" cy="0"/>
-          <a:chOff x="0" y="0"/>
-          <a:chExt cx="0" cy="0"/>
-        </a:xfrm>
-      </p:grpSpPr>
-      <p:sp>
-        <p:nvSpPr>
-          <p:cNvPr id="2" name="Title 1">
-            <a:extLst>
-              <a:ext uri="{FF2B5EF4-FFF2-40B4-BE49-F238E27FC236}">
-                <a16:creationId xmlns:a16="http://schemas.microsoft.com/office/drawing/2014/main" id="{96F0DE73-59B4-725B-04CC-7BD0EED2D6F2}"/>
-              </a:ext>
-            </a:extLst>
-          </p:cNvPr>
-          <p:cNvSpPr>
-            <a:spLocks noGrp="1"/>
-          </p:cNvSpPr>
-          <p:nvPr>
-            <p:ph type="title"/>
-          </p:nvPr>
-        </p:nvSpPr>
-        <p:spPr/>
-        <p:txBody>
-          <a:bodyPr/>
-          <a:lstStyle/>
-          <a:p>
-            <a:r>
-              <a:rPr lang="en-IN" dirty="0"/>
-              <a:t>DEMO</a:t>
-            </a:r>
-          </a:p>
-        </p:txBody>
-      </p:sp>
-      <p:sp>
-        <p:nvSpPr>
-          <p:cNvPr id="3" name="Content Placeholder 2">
-            <a:extLst>
-              <a:ext uri="{FF2B5EF4-FFF2-40B4-BE49-F238E27FC236}">
-                <a16:creationId xmlns:a16="http://schemas.microsoft.com/office/drawing/2014/main" id="{20D67883-6238-8A00-DA81-B00F6123E942}"/>
-              </a:ext>
-            </a:extLst>
-          </p:cNvPr>
-          <p:cNvSpPr>
-            <a:spLocks noGrp="1"/>
-          </p:cNvSpPr>
-          <p:nvPr>
-            <p:ph idx="1"/>
-          </p:nvPr>
-        </p:nvSpPr>
-        <p:spPr/>
-        <p:txBody>
-          <a:bodyPr/>
-          <a:lstStyle/>
-          <a:p>
-            <a:r>
-              <a:rPr lang="en-IN" dirty="0">
-                <a:hlinkClick r:id="rId2"/>
-              </a:rPr>
-              <a:t>https://techcohere-hbrv5z3trs9khdpuubpoya.streamlit.app/</a:t>
-            </a:r>
-            <a:endParaRPr lang="en-IN" dirty="0"/>
-          </a:p>
-          <a:p>
-            <a:r>
-              <a:rPr lang="en-IN" dirty="0">
-                <a:hlinkClick r:id="rId3"/>
-              </a:rPr>
-              <a:t>https://techcohere-2gve77exrd26qr3du4wiyb.streamlit.app/</a:t>
-            </a:r>
-            <a:endParaRPr lang="en-IN" dirty="0"/>
-          </a:p>
-          <a:p>
-            <a:endParaRPr lang="en-IN" dirty="0"/>
-          </a:p>
-        </p:txBody>
-      </p:sp>
-    </p:spTree>
-    <p:extLst>
-      <p:ext uri="{BB962C8B-B14F-4D97-AF65-F5344CB8AC3E}">
-        <p14:creationId xmlns:p14="http://schemas.microsoft.com/office/powerpoint/2010/main" val="102294049"/>
       </p:ext>
     </p:extLst>
   </p:cSld>
